--- a/stemberger/predstavitev.pptx
+++ b/stemberger/predstavitev.pptx
@@ -4204,7 +4204,19 @@
         <a:p>
           <a:r>
             <a:rPr lang="en-GB" dirty="0" err="1"/>
-            <a:t>Socialno</a:t>
+            <a:t>Družba</a:t>
+          </a:r>
+          <a:r>
+            <a:rPr lang="en-GB" dirty="0"/>
+            <a:t> (</a:t>
+          </a:r>
+          <a:r>
+            <a:rPr lang="en-GB" dirty="0" err="1"/>
+            <a:t>socialno</a:t>
+          </a:r>
+          <a:r>
+            <a:rPr lang="en-GB" dirty="0"/>
+            <a:t>)</a:t>
           </a:r>
           <a:endParaRPr lang="en-SI" dirty="0"/>
         </a:p>
@@ -4315,7 +4327,19 @@
         <a:p>
           <a:r>
             <a:rPr lang="en-GB" dirty="0" err="1"/>
-            <a:t>Znanstveno</a:t>
+            <a:t>Narava</a:t>
+          </a:r>
+          <a:r>
+            <a:rPr lang="en-GB" dirty="0"/>
+            <a:t> (</a:t>
+          </a:r>
+          <a:r>
+            <a:rPr lang="en-GB" dirty="0" err="1"/>
+            <a:t>znanstveno</a:t>
+          </a:r>
+          <a:r>
+            <a:rPr lang="en-GB" dirty="0"/>
+            <a:t>)</a:t>
           </a:r>
           <a:endParaRPr lang="en-SI" dirty="0"/>
         </a:p>
@@ -6298,7 +6322,19 @@
           </a:pPr>
           <a:r>
             <a:rPr lang="en-GB" sz="800" kern="1200" dirty="0" err="1"/>
-            <a:t>Socialno</a:t>
+            <a:t>Družba</a:t>
+          </a:r>
+          <a:r>
+            <a:rPr lang="en-GB" sz="800" kern="1200" dirty="0"/>
+            <a:t> (</a:t>
+          </a:r>
+          <a:r>
+            <a:rPr lang="en-GB" sz="800" kern="1200" dirty="0" err="1"/>
+            <a:t>socialno</a:t>
+          </a:r>
+          <a:r>
+            <a:rPr lang="en-GB" sz="800" kern="1200" dirty="0"/>
+            <a:t>)</a:t>
           </a:r>
           <a:endParaRPr lang="en-SI" sz="800" kern="1200" dirty="0"/>
         </a:p>
@@ -6688,7 +6724,19 @@
           </a:pPr>
           <a:r>
             <a:rPr lang="en-GB" sz="800" kern="1200" dirty="0" err="1"/>
-            <a:t>Znanstveno</a:t>
+            <a:t>Narava</a:t>
+          </a:r>
+          <a:r>
+            <a:rPr lang="en-GB" sz="800" kern="1200" dirty="0"/>
+            <a:t> (</a:t>
+          </a:r>
+          <a:r>
+            <a:rPr lang="en-GB" sz="800" kern="1200" dirty="0" err="1"/>
+            <a:t>znanstveno</a:t>
+          </a:r>
+          <a:r>
+            <a:rPr lang="en-GB" sz="800" kern="1200" dirty="0"/>
+            <a:t>)</a:t>
           </a:r>
           <a:endParaRPr lang="en-SI" sz="800" kern="1200" dirty="0"/>
         </a:p>
@@ -16981,7 +17029,7 @@
           <a:p>
             <a:fld id="{6C93A9C2-8E1E-4FCF-BDED-A49E9B7277D1}" type="datetimeFigureOut">
               <a:rPr lang="en-SI" smtClean="0"/>
-              <a:t>19/05/2025</a:t>
+              <a:t>21/05/2025</a:t>
             </a:fld>
             <a:endParaRPr lang="en-SI"/>
           </a:p>
@@ -19487,7 +19535,7 @@
           <a:p>
             <a:fld id="{6CDE6B72-D0E7-4DEB-802A-E25BEEB5D8A7}" type="datetimeFigureOut">
               <a:rPr lang="en-SI" smtClean="0"/>
-              <a:t>19/05/2025</a:t>
+              <a:t>21/05/2025</a:t>
             </a:fld>
             <a:endParaRPr lang="en-SI"/>
           </a:p>
@@ -19738,7 +19786,7 @@
           <a:p>
             <a:fld id="{6CDE6B72-D0E7-4DEB-802A-E25BEEB5D8A7}" type="datetimeFigureOut">
               <a:rPr lang="en-SI" smtClean="0"/>
-              <a:t>19/05/2025</a:t>
+              <a:t>21/05/2025</a:t>
             </a:fld>
             <a:endParaRPr lang="en-SI"/>
           </a:p>
@@ -20052,7 +20100,7 @@
           <a:p>
             <a:fld id="{6CDE6B72-D0E7-4DEB-802A-E25BEEB5D8A7}" type="datetimeFigureOut">
               <a:rPr lang="en-SI" smtClean="0"/>
-              <a:t>19/05/2025</a:t>
+              <a:t>21/05/2025</a:t>
             </a:fld>
             <a:endParaRPr lang="en-SI"/>
           </a:p>
@@ -20393,7 +20441,7 @@
           <a:p>
             <a:fld id="{6CDE6B72-D0E7-4DEB-802A-E25BEEB5D8A7}" type="datetimeFigureOut">
               <a:rPr lang="en-SI" smtClean="0"/>
-              <a:t>19/05/2025</a:t>
+              <a:t>21/05/2025</a:t>
             </a:fld>
             <a:endParaRPr lang="en-SI"/>
           </a:p>
@@ -20707,7 +20755,7 @@
           <a:p>
             <a:fld id="{6CDE6B72-D0E7-4DEB-802A-E25BEEB5D8A7}" type="datetimeFigureOut">
               <a:rPr lang="en-SI" smtClean="0"/>
-              <a:t>19/05/2025</a:t>
+              <a:t>21/05/2025</a:t>
             </a:fld>
             <a:endParaRPr lang="en-SI"/>
           </a:p>
@@ -21100,7 +21148,7 @@
           <a:p>
             <a:fld id="{6CDE6B72-D0E7-4DEB-802A-E25BEEB5D8A7}" type="datetimeFigureOut">
               <a:rPr lang="en-SI" smtClean="0"/>
-              <a:t>19/05/2025</a:t>
+              <a:t>21/05/2025</a:t>
             </a:fld>
             <a:endParaRPr lang="en-SI"/>
           </a:p>
@@ -21270,7 +21318,7 @@
           <a:p>
             <a:fld id="{6CDE6B72-D0E7-4DEB-802A-E25BEEB5D8A7}" type="datetimeFigureOut">
               <a:rPr lang="en-SI" smtClean="0"/>
-              <a:t>19/05/2025</a:t>
+              <a:t>21/05/2025</a:t>
             </a:fld>
             <a:endParaRPr lang="en-SI"/>
           </a:p>
@@ -21450,7 +21498,7 @@
           <a:p>
             <a:fld id="{6CDE6B72-D0E7-4DEB-802A-E25BEEB5D8A7}" type="datetimeFigureOut">
               <a:rPr lang="en-SI" smtClean="0"/>
-              <a:t>19/05/2025</a:t>
+              <a:t>21/05/2025</a:t>
             </a:fld>
             <a:endParaRPr lang="en-SI"/>
           </a:p>
@@ -21626,7 +21674,7 @@
           <a:p>
             <a:fld id="{6CDE6B72-D0E7-4DEB-802A-E25BEEB5D8A7}" type="datetimeFigureOut">
               <a:rPr lang="en-SI" smtClean="0"/>
-              <a:t>19/05/2025</a:t>
+              <a:t>21/05/2025</a:t>
             </a:fld>
             <a:endParaRPr lang="en-SI"/>
           </a:p>
@@ -21873,7 +21921,7 @@
           <a:p>
             <a:fld id="{6CDE6B72-D0E7-4DEB-802A-E25BEEB5D8A7}" type="datetimeFigureOut">
               <a:rPr lang="en-SI" smtClean="0"/>
-              <a:t>19/05/2025</a:t>
+              <a:t>21/05/2025</a:t>
             </a:fld>
             <a:endParaRPr lang="en-SI"/>
           </a:p>
@@ -22105,7 +22153,7 @@
           <a:p>
             <a:fld id="{6CDE6B72-D0E7-4DEB-802A-E25BEEB5D8A7}" type="datetimeFigureOut">
               <a:rPr lang="en-SI" smtClean="0"/>
-              <a:t>19/05/2025</a:t>
+              <a:t>21/05/2025</a:t>
             </a:fld>
             <a:endParaRPr lang="en-SI"/>
           </a:p>
@@ -22479,7 +22527,7 @@
           <a:p>
             <a:fld id="{6CDE6B72-D0E7-4DEB-802A-E25BEEB5D8A7}" type="datetimeFigureOut">
               <a:rPr lang="en-SI" smtClean="0"/>
-              <a:t>19/05/2025</a:t>
+              <a:t>21/05/2025</a:t>
             </a:fld>
             <a:endParaRPr lang="en-SI"/>
           </a:p>
@@ -22602,7 +22650,7 @@
           <a:p>
             <a:fld id="{6CDE6B72-D0E7-4DEB-802A-E25BEEB5D8A7}" type="datetimeFigureOut">
               <a:rPr lang="en-SI" smtClean="0"/>
-              <a:t>19/05/2025</a:t>
+              <a:t>21/05/2025</a:t>
             </a:fld>
             <a:endParaRPr lang="en-SI"/>
           </a:p>
@@ -22697,7 +22745,7 @@
           <a:p>
             <a:fld id="{6CDE6B72-D0E7-4DEB-802A-E25BEEB5D8A7}" type="datetimeFigureOut">
               <a:rPr lang="en-SI" smtClean="0"/>
-              <a:t>19/05/2025</a:t>
+              <a:t>21/05/2025</a:t>
             </a:fld>
             <a:endParaRPr lang="en-SI"/>
           </a:p>
@@ -22952,7 +23000,7 @@
           <a:p>
             <a:fld id="{6CDE6B72-D0E7-4DEB-802A-E25BEEB5D8A7}" type="datetimeFigureOut">
               <a:rPr lang="en-SI" smtClean="0"/>
-              <a:t>19/05/2025</a:t>
+              <a:t>21/05/2025</a:t>
             </a:fld>
             <a:endParaRPr lang="en-SI"/>
           </a:p>
@@ -23215,7 +23263,7 @@
           <a:p>
             <a:fld id="{6CDE6B72-D0E7-4DEB-802A-E25BEEB5D8A7}" type="datetimeFigureOut">
               <a:rPr lang="en-SI" smtClean="0"/>
-              <a:t>19/05/2025</a:t>
+              <a:t>21/05/2025</a:t>
             </a:fld>
             <a:endParaRPr lang="en-SI"/>
           </a:p>
@@ -23958,7 +24006,7 @@
           <a:p>
             <a:fld id="{6CDE6B72-D0E7-4DEB-802A-E25BEEB5D8A7}" type="datetimeFigureOut">
               <a:rPr lang="en-SI" smtClean="0"/>
-              <a:t>19/05/2025</a:t>
+              <a:t>21/05/2025</a:t>
             </a:fld>
             <a:endParaRPr lang="en-SI"/>
           </a:p>
@@ -42975,7 +43023,7 @@
           <p:nvPr>
             <p:extLst>
               <p:ext uri="{D42A27DB-BD31-4B8C-83A1-F6EECF244321}">
-                <p14:modId xmlns:p14="http://schemas.microsoft.com/office/powerpoint/2010/main" val="1564525624"/>
+                <p14:modId xmlns:p14="http://schemas.microsoft.com/office/powerpoint/2010/main" val="3767313273"/>
               </p:ext>
             </p:extLst>
           </p:nvPr>
